--- a/PPT/9 Azure DevOps series by Sagar.pptx
+++ b/PPT/9 Azure DevOps series by Sagar.pptx
@@ -204,8 +204,8 @@
 <pc:chgInfo xmlns:a="http://schemas.openxmlformats.org/drawingml/2006/main" xmlns:r="http://schemas.openxmlformats.org/officeDocument/2006/relationships" xmlns:ac="http://schemas.microsoft.com/office/drawing/2013/main/command" xmlns:pc="http://schemas.microsoft.com/office/powerpoint/2013/main/command">
   <pc:docChgLst>
     <pc:chgData name="Roberto Tejero" userId="df99c9947d6af889" providerId="LiveId" clId="{DCC93661-427B-41AD-B4AD-707DB5A67E4C}"/>
-    <pc:docChg chg="addSld delSld modSld modSection">
-      <pc:chgData name="Roberto Tejero" userId="df99c9947d6af889" providerId="LiveId" clId="{DCC93661-427B-41AD-B4AD-707DB5A67E4C}" dt="2021-01-10T15:23:03.195" v="2" actId="47"/>
+    <pc:docChg chg="custSel addSld delSld modSld modSection">
+      <pc:chgData name="Roberto Tejero" userId="df99c9947d6af889" providerId="LiveId" clId="{DCC93661-427B-41AD-B4AD-707DB5A67E4C}" dt="2021-01-10T20:06:20.910" v="76" actId="20577"/>
       <pc:docMkLst>
         <pc:docMk/>
       </pc:docMkLst>
@@ -223,12 +223,67 @@
           <pc:sldMk cId="124482935" sldId="2076136261"/>
         </pc:sldMkLst>
       </pc:sldChg>
-      <pc:sldChg chg="add">
-        <pc:chgData name="Roberto Tejero" userId="df99c9947d6af889" providerId="LiveId" clId="{DCC93661-427B-41AD-B4AD-707DB5A67E4C}" dt="2021-01-10T15:23:00.067" v="0"/>
+      <pc:sldChg chg="delSp modSp mod">
+        <pc:chgData name="Roberto Tejero" userId="df99c9947d6af889" providerId="LiveId" clId="{DCC93661-427B-41AD-B4AD-707DB5A67E4C}" dt="2021-01-10T20:06:20.910" v="76" actId="20577"/>
+        <pc:sldMkLst>
+          <pc:docMk/>
+          <pc:sldMk cId="4095216866" sldId="2076136262"/>
+        </pc:sldMkLst>
+        <pc:spChg chg="mod">
+          <ac:chgData name="Roberto Tejero" userId="df99c9947d6af889" providerId="LiveId" clId="{DCC93661-427B-41AD-B4AD-707DB5A67E4C}" dt="2021-01-10T20:06:20.910" v="76" actId="20577"/>
+          <ac:spMkLst>
+            <pc:docMk/>
+            <pc:sldMk cId="4095216866" sldId="2076136262"/>
+            <ac:spMk id="2" creationId="{0626A76E-B9E1-43DE-894F-7F636E821576}"/>
+          </ac:spMkLst>
+        </pc:spChg>
+        <pc:spChg chg="mod">
+          <ac:chgData name="Roberto Tejero" userId="df99c9947d6af889" providerId="LiveId" clId="{DCC93661-427B-41AD-B4AD-707DB5A67E4C}" dt="2021-01-10T20:05:29.564" v="44" actId="20577"/>
+          <ac:spMkLst>
+            <pc:docMk/>
+            <pc:sldMk cId="4095216866" sldId="2076136262"/>
+            <ac:spMk id="3" creationId="{CE7F95F9-74E0-445F-A3BF-CDBCBC1B21DE}"/>
+          </ac:spMkLst>
+        </pc:spChg>
+        <pc:spChg chg="mod">
+          <ac:chgData name="Roberto Tejero" userId="df99c9947d6af889" providerId="LiveId" clId="{DCC93661-427B-41AD-B4AD-707DB5A67E4C}" dt="2021-01-10T20:06:08.633" v="73"/>
+          <ac:spMkLst>
+            <pc:docMk/>
+            <pc:sldMk cId="4095216866" sldId="2076136262"/>
+            <ac:spMk id="5" creationId="{087C93F1-B345-43F6-88F9-A852BDE767E4}"/>
+          </ac:spMkLst>
+        </pc:spChg>
+        <pc:spChg chg="del">
+          <ac:chgData name="Roberto Tejero" userId="df99c9947d6af889" providerId="LiveId" clId="{DCC93661-427B-41AD-B4AD-707DB5A67E4C}" dt="2021-01-10T20:06:11.912" v="74" actId="478"/>
+          <ac:spMkLst>
+            <pc:docMk/>
+            <pc:sldMk cId="4095216866" sldId="2076136262"/>
+            <ac:spMk id="7" creationId="{8EF35D44-2C5B-40E9-B454-F56774A87418}"/>
+          </ac:spMkLst>
+        </pc:spChg>
+        <pc:spChg chg="del">
+          <ac:chgData name="Roberto Tejero" userId="df99c9947d6af889" providerId="LiveId" clId="{DCC93661-427B-41AD-B4AD-707DB5A67E4C}" dt="2021-01-10T20:06:14.146" v="75" actId="478"/>
+          <ac:spMkLst>
+            <pc:docMk/>
+            <pc:sldMk cId="4095216866" sldId="2076136262"/>
+            <ac:spMk id="8" creationId="{B5A653BA-DCA7-4396-B752-FF12285E0B37}"/>
+          </ac:spMkLst>
+        </pc:spChg>
+      </pc:sldChg>
+      <pc:sldChg chg="modSp add mod">
+        <pc:chgData name="Roberto Tejero" userId="df99c9947d6af889" providerId="LiveId" clId="{DCC93661-427B-41AD-B4AD-707DB5A67E4C}" dt="2021-01-10T20:05:42.493" v="72" actId="20577"/>
         <pc:sldMkLst>
           <pc:docMk/>
           <pc:sldMk cId="3524129132" sldId="2076136263"/>
         </pc:sldMkLst>
+        <pc:spChg chg="mod">
+          <ac:chgData name="Roberto Tejero" userId="df99c9947d6af889" providerId="LiveId" clId="{DCC93661-427B-41AD-B4AD-707DB5A67E4C}" dt="2021-01-10T20:05:42.493" v="72" actId="20577"/>
+          <ac:spMkLst>
+            <pc:docMk/>
+            <pc:sldMk cId="3524129132" sldId="2076136263"/>
+            <ac:spMk id="6" creationId="{155300A5-3509-42AD-8CEF-6590A562B1E5}"/>
+          </ac:spMkLst>
+        </pc:spChg>
       </pc:sldChg>
     </pc:docChg>
   </pc:docChgLst>
@@ -321,7 +376,7 @@
               <a:rPr lang="en-US" smtClean="0">
                 <a:latin typeface="Segoe UI" pitchFamily="34" charset="0"/>
               </a:rPr>
-              <a:t>1/10/2021 4:23 PM</a:t>
+              <a:t>1/10/2021 9:05 PM</a:t>
             </a:fld>
             <a:endParaRPr lang="en-US">
               <a:latin typeface="Segoe UI" pitchFamily="34" charset="0"/>
@@ -599,7 +654,7 @@
           <a:p>
             <a:fld id="{386CE63F-9E7F-4C04-9D0D-FCA25A8E9E86}" type="datetime8">
               <a:rPr lang="en-US" smtClean="0"/>
-              <a:t>1/10/2021 4:22 PM</a:t>
+              <a:t>1/10/2021 9:04 PM</a:t>
             </a:fld>
             <a:endParaRPr lang="en-US"/>
           </a:p>
@@ -43042,8 +43097,8 @@
           <a:lstStyle/>
           <a:p>
             <a:r>
-              <a:rPr lang="en-US"/>
-              <a:t>Let's Chat-Bots using Azure AI</a:t>
+              <a:rPr lang="en-US" dirty="0"/>
+              <a:t>Azure DevOps series by Sagar</a:t>
             </a:r>
             <a:endParaRPr lang="es-ES" dirty="0"/>
           </a:p>
@@ -43555,12 +43610,33 @@
             <p:ph type="title"/>
           </p:nvPr>
         </p:nvSpPr>
-        <p:spPr/>
+        <p:spPr>
+          <a:xfrm>
+            <a:off x="762991" y="1615703"/>
+            <a:ext cx="4075714" cy="861774"/>
+          </a:xfrm>
+        </p:spPr>
         <p:txBody>
           <a:bodyPr/>
           <a:lstStyle/>
           <a:p>
-            <a:endParaRPr lang="es-ES"/>
+            <a:r>
+              <a:rPr lang="es-ES" dirty="0"/>
+              <a:t>Azure DevOps series </a:t>
+            </a:r>
+            <a:r>
+              <a:rPr lang="es-ES" dirty="0" err="1"/>
+              <a:t>by</a:t>
+            </a:r>
+            <a:r>
+              <a:rPr lang="es-ES" dirty="0"/>
+              <a:t> </a:t>
+            </a:r>
+            <a:r>
+              <a:rPr lang="es-ES" dirty="0" err="1"/>
+              <a:t>Sagar</a:t>
+            </a:r>
+            <a:endParaRPr lang="es-ES" dirty="0"/>
           </a:p>
         </p:txBody>
       </p:sp>
@@ -43585,7 +43661,19 @@
           <a:bodyPr/>
           <a:lstStyle/>
           <a:p>
-            <a:endParaRPr lang="es-ES"/>
+            <a:r>
+              <a:rPr lang="es-ES" dirty="0" err="1"/>
+              <a:t>Sagar</a:t>
+            </a:r>
+            <a:r>
+              <a:rPr lang="es-ES" dirty="0"/>
+              <a:t> </a:t>
+            </a:r>
+            <a:r>
+              <a:rPr lang="es-ES" dirty="0" err="1"/>
+              <a:t>Lad</a:t>
+            </a:r>
+            <a:endParaRPr lang="es-ES" dirty="0"/>
           </a:p>
         </p:txBody>
       </p:sp>
@@ -43605,62 +43693,40 @@
             <p:ph type="body" sz="quarter" idx="15"/>
           </p:nvPr>
         </p:nvSpPr>
-        <p:spPr/>
+        <p:spPr>
+          <a:xfrm>
+            <a:off x="762987" y="3200854"/>
+            <a:ext cx="4075714" cy="430887"/>
+          </a:xfrm>
+        </p:spPr>
         <p:txBody>
           <a:bodyPr/>
           <a:lstStyle/>
           <a:p>
-            <a:endParaRPr lang="es-ES"/>
+            <a:r>
+              <a:rPr lang="es-ES" dirty="0" err="1"/>
+              <a:t>Sagar</a:t>
+            </a:r>
+            <a:r>
+              <a:rPr lang="es-ES" dirty="0"/>
+              <a:t> </a:t>
+            </a:r>
+            <a:r>
+              <a:rPr lang="es-ES" dirty="0" err="1"/>
+              <a:t>Explains</a:t>
+            </a:r>
+            <a:r>
+              <a:rPr lang="es-ES" dirty="0"/>
+              <a:t> Azure &amp; </a:t>
+            </a:r>
+            <a:r>
+              <a:rPr lang="es-ES" dirty="0" err="1"/>
+              <a:t>Analytics</a:t>
+            </a:r>
+            <a:endParaRPr lang="es-ES" dirty="0"/>
           </a:p>
-        </p:txBody>
-      </p:sp>
-      <p:sp>
-        <p:nvSpPr>
-          <p:cNvPr id="7" name="Marcador de texto 6">
-            <a:extLst>
-              <a:ext uri="{FF2B5EF4-FFF2-40B4-BE49-F238E27FC236}">
-                <a16:creationId xmlns:a16="http://schemas.microsoft.com/office/drawing/2014/main" id="{8EF35D44-2C5B-40E9-B454-F56774A87418}"/>
-              </a:ext>
-            </a:extLst>
-          </p:cNvPr>
-          <p:cNvSpPr>
-            <a:spLocks noGrp="1"/>
-          </p:cNvSpPr>
-          <p:nvPr>
-            <p:ph type="body" sz="quarter" idx="16"/>
-          </p:nvPr>
-        </p:nvSpPr>
-        <p:spPr/>
-        <p:txBody>
-          <a:bodyPr/>
-          <a:lstStyle/>
           <a:p>
-            <a:endParaRPr lang="es-ES"/>
-          </a:p>
-        </p:txBody>
-      </p:sp>
-      <p:sp>
-        <p:nvSpPr>
-          <p:cNvPr id="8" name="Marcador de texto 7">
-            <a:extLst>
-              <a:ext uri="{FF2B5EF4-FFF2-40B4-BE49-F238E27FC236}">
-                <a16:creationId xmlns:a16="http://schemas.microsoft.com/office/drawing/2014/main" id="{B5A653BA-DCA7-4396-B752-FF12285E0B37}"/>
-              </a:ext>
-            </a:extLst>
-          </p:cNvPr>
-          <p:cNvSpPr>
-            <a:spLocks noGrp="1"/>
-          </p:cNvSpPr>
-          <p:nvPr>
-            <p:ph type="body" sz="quarter" idx="17"/>
-          </p:nvPr>
-        </p:nvSpPr>
-        <p:spPr/>
-        <p:txBody>
-          <a:bodyPr/>
-          <a:lstStyle/>
-          <a:p>
-            <a:endParaRPr lang="es-ES"/>
+            <a:endParaRPr lang="es-ES" dirty="0"/>
           </a:p>
         </p:txBody>
       </p:sp>
@@ -45126,12 +45192,65 @@
 </file>
 
 <file path=customXml/item1.xml><?xml version="1.0" encoding="utf-8"?>
-<?mso-contentType ?>
-<FormTemplates xmlns="http://schemas.microsoft.com/sharepoint/v3/contenttype/forms">
-  <Display>DocumentLibraryForm</Display>
-  <Edit>DocumentLibraryForm</Edit>
-  <New>DocumentLibraryForm</New>
-</FormTemplates>
+<p:properties xmlns:p="http://schemas.microsoft.com/office/2006/metadata/properties" xmlns:xsi="http://www.w3.org/2001/XMLSchema-instance" xmlns:pc="http://schemas.microsoft.com/office/infopath/2007/PartnerControls">
+  <documentManagement>
+    <_ip_UnifiedCompliancePolicyUIAction xmlns="http://schemas.microsoft.com/sharepoint/v3" xsi:nil="true"/>
+    <_ip_UnifiedCompliancePolicyProperties xmlns="http://schemas.microsoft.com/sharepoint/v3" xsi:nil="true"/>
+    <MediaServiceKeyPoints xmlns="9d1f81f6-e953-47ea-988e-33ed651c58e6" xsi:nil="true"/>
+    <External_x0020_Speaker xmlns="5a4b3278-325d-441a-b38f-6f1926bc734e" xsi:nil="true"/>
+    <j478fa01fff54a9d85f93cc1f742caa8 xmlns="5a4b3278-325d-441a-b38f-6f1926bc734e">
+      <Terms xmlns="http://schemas.microsoft.com/office/infopath/2007/PartnerControls"/>
+    </j478fa01fff54a9d85f93cc1f742caa8>
+    <Event_x0020_End_x0020_Date xmlns="5a4b3278-325d-441a-b38f-6f1926bc734e" xsi:nil="true"/>
+    <LikesCount xmlns="http://schemas.microsoft.com/sharepoint/v3" xsi:nil="true"/>
+    <MS_x0020_Speaker xmlns="5a4b3278-325d-441a-b38f-6f1926bc734e">
+      <UserInfo>
+        <DisplayName/>
+        <AccountId xsi:nil="true"/>
+        <AccountType/>
+      </UserInfo>
+    </MS_x0020_Speaker>
+    <o33121adfc264c7dbcad13be7db3ea4b xmlns="5a4b3278-325d-441a-b38f-6f1926bc734e">
+      <Terms xmlns="http://schemas.microsoft.com/office/infopath/2007/PartnerControls"/>
+    </o33121adfc264c7dbcad13be7db3ea4b>
+    <Session_x0020_Code xmlns="5a4b3278-325d-441a-b38f-6f1926bc734e" xsi:nil="true"/>
+    <Presentation_x0020_Date xmlns="5a4b3278-325d-441a-b38f-6f1926bc734e" xsi:nil="true"/>
+    <ba5aa7e3a41a404e868a451481761228 xmlns="5a4b3278-325d-441a-b38f-6f1926bc734e">
+      <Terms xmlns="http://schemas.microsoft.com/office/infopath/2007/PartnerControls"/>
+    </ba5aa7e3a41a404e868a451481761228>
+    <n26c0b7259a14f82a9880173edc4cb73 xmlns="5a4b3278-325d-441a-b38f-6f1926bc734e">
+      <Terms xmlns="http://schemas.microsoft.com/office/infopath/2007/PartnerControls"/>
+    </n26c0b7259a14f82a9880173edc4cb73>
+    <c4b02e5b2c48420dbed84c0f2f02e9a3 xmlns="5a4b3278-325d-441a-b38f-6f1926bc734e">
+      <Terms xmlns="http://schemas.microsoft.com/office/infopath/2007/PartnerControls"/>
+    </c4b02e5b2c48420dbed84c0f2f02e9a3>
+    <Event_x0020_Start_x0020_Date xmlns="5a4b3278-325d-441a-b38f-6f1926bc734e" xsi:nil="true"/>
+    <MS_x0020_Content_x0020_Owner xmlns="5a4b3278-325d-441a-b38f-6f1926bc734e">
+      <UserInfo>
+        <DisplayName/>
+        <AccountId xsi:nil="true"/>
+        <AccountType/>
+      </UserInfo>
+    </MS_x0020_Content_x0020_Owner>
+    <TaxKeywordTaxHTField xmlns="230e9df3-be65-4c73-a93b-d1236ebd677e">
+      <Terms xmlns="http://schemas.microsoft.com/office/infopath/2007/PartnerControls">
+        <TermInfo xmlns="http://schemas.microsoft.com/office/infopath/2007/PartnerControls">
+          <TermName xmlns="http://schemas.microsoft.com/office/infopath/2007/PartnerControls">Microsoft Ignite The Tour FY20</TermName>
+          <TermId xmlns="http://schemas.microsoft.com/office/infopath/2007/PartnerControls">92cd8354-19e0-47e3-879f-674e86e0d77f</TermId>
+        </TermInfo>
+      </Terms>
+    </TaxKeywordTaxHTField>
+    <j129f3114929433a812312450a84994c xmlns="5a4b3278-325d-441a-b38f-6f1926bc734e">
+      <Terms xmlns="http://schemas.microsoft.com/office/infopath/2007/PartnerControls"/>
+    </j129f3114929433a812312450a84994c>
+    <TaxCatchAll xmlns="230e9df3-be65-4c73-a93b-d1236ebd677e">
+      <Value>251</Value>
+    </TaxCatchAll>
+    <e1750f71052543bd8c4d7217e9f56da0 xmlns="5a4b3278-325d-441a-b38f-6f1926bc734e">
+      <Terms xmlns="http://schemas.microsoft.com/office/infopath/2007/PartnerControls"/>
+    </e1750f71052543bd8c4d7217e9f56da0>
+  </documentManagement>
+</p:properties>
 </file>
 
 <file path=customXml/item2.xml><?xml version="1.0" encoding="utf-8"?>
@@ -45556,71 +45675,31 @@
 </file>
 
 <file path=customXml/item3.xml><?xml version="1.0" encoding="utf-8"?>
-<p:properties xmlns:p="http://schemas.microsoft.com/office/2006/metadata/properties" xmlns:xsi="http://www.w3.org/2001/XMLSchema-instance" xmlns:pc="http://schemas.microsoft.com/office/infopath/2007/PartnerControls">
-  <documentManagement>
-    <_ip_UnifiedCompliancePolicyUIAction xmlns="http://schemas.microsoft.com/sharepoint/v3" xsi:nil="true"/>
-    <_ip_UnifiedCompliancePolicyProperties xmlns="http://schemas.microsoft.com/sharepoint/v3" xsi:nil="true"/>
-    <MediaServiceKeyPoints xmlns="9d1f81f6-e953-47ea-988e-33ed651c58e6" xsi:nil="true"/>
-    <External_x0020_Speaker xmlns="5a4b3278-325d-441a-b38f-6f1926bc734e" xsi:nil="true"/>
-    <j478fa01fff54a9d85f93cc1f742caa8 xmlns="5a4b3278-325d-441a-b38f-6f1926bc734e">
-      <Terms xmlns="http://schemas.microsoft.com/office/infopath/2007/PartnerControls"/>
-    </j478fa01fff54a9d85f93cc1f742caa8>
-    <Event_x0020_End_x0020_Date xmlns="5a4b3278-325d-441a-b38f-6f1926bc734e" xsi:nil="true"/>
-    <LikesCount xmlns="http://schemas.microsoft.com/sharepoint/v3" xsi:nil="true"/>
-    <MS_x0020_Speaker xmlns="5a4b3278-325d-441a-b38f-6f1926bc734e">
-      <UserInfo>
-        <DisplayName/>
-        <AccountId xsi:nil="true"/>
-        <AccountType/>
-      </UserInfo>
-    </MS_x0020_Speaker>
-    <o33121adfc264c7dbcad13be7db3ea4b xmlns="5a4b3278-325d-441a-b38f-6f1926bc734e">
-      <Terms xmlns="http://schemas.microsoft.com/office/infopath/2007/PartnerControls"/>
-    </o33121adfc264c7dbcad13be7db3ea4b>
-    <Session_x0020_Code xmlns="5a4b3278-325d-441a-b38f-6f1926bc734e" xsi:nil="true"/>
-    <Presentation_x0020_Date xmlns="5a4b3278-325d-441a-b38f-6f1926bc734e" xsi:nil="true"/>
-    <ba5aa7e3a41a404e868a451481761228 xmlns="5a4b3278-325d-441a-b38f-6f1926bc734e">
-      <Terms xmlns="http://schemas.microsoft.com/office/infopath/2007/PartnerControls"/>
-    </ba5aa7e3a41a404e868a451481761228>
-    <n26c0b7259a14f82a9880173edc4cb73 xmlns="5a4b3278-325d-441a-b38f-6f1926bc734e">
-      <Terms xmlns="http://schemas.microsoft.com/office/infopath/2007/PartnerControls"/>
-    </n26c0b7259a14f82a9880173edc4cb73>
-    <c4b02e5b2c48420dbed84c0f2f02e9a3 xmlns="5a4b3278-325d-441a-b38f-6f1926bc734e">
-      <Terms xmlns="http://schemas.microsoft.com/office/infopath/2007/PartnerControls"/>
-    </c4b02e5b2c48420dbed84c0f2f02e9a3>
-    <Event_x0020_Start_x0020_Date xmlns="5a4b3278-325d-441a-b38f-6f1926bc734e" xsi:nil="true"/>
-    <MS_x0020_Content_x0020_Owner xmlns="5a4b3278-325d-441a-b38f-6f1926bc734e">
-      <UserInfo>
-        <DisplayName/>
-        <AccountId xsi:nil="true"/>
-        <AccountType/>
-      </UserInfo>
-    </MS_x0020_Content_x0020_Owner>
-    <TaxKeywordTaxHTField xmlns="230e9df3-be65-4c73-a93b-d1236ebd677e">
-      <Terms xmlns="http://schemas.microsoft.com/office/infopath/2007/PartnerControls">
-        <TermInfo xmlns="http://schemas.microsoft.com/office/infopath/2007/PartnerControls">
-          <TermName xmlns="http://schemas.microsoft.com/office/infopath/2007/PartnerControls">Microsoft Ignite The Tour FY20</TermName>
-          <TermId xmlns="http://schemas.microsoft.com/office/infopath/2007/PartnerControls">92cd8354-19e0-47e3-879f-674e86e0d77f</TermId>
-        </TermInfo>
-      </Terms>
-    </TaxKeywordTaxHTField>
-    <j129f3114929433a812312450a84994c xmlns="5a4b3278-325d-441a-b38f-6f1926bc734e">
-      <Terms xmlns="http://schemas.microsoft.com/office/infopath/2007/PartnerControls"/>
-    </j129f3114929433a812312450a84994c>
-    <TaxCatchAll xmlns="230e9df3-be65-4c73-a93b-d1236ebd677e">
-      <Value>251</Value>
-    </TaxCatchAll>
-    <e1750f71052543bd8c4d7217e9f56da0 xmlns="5a4b3278-325d-441a-b38f-6f1926bc734e">
-      <Terms xmlns="http://schemas.microsoft.com/office/infopath/2007/PartnerControls"/>
-    </e1750f71052543bd8c4d7217e9f56da0>
-  </documentManagement>
-</p:properties>
+<?mso-contentType ?>
+<FormTemplates xmlns="http://schemas.microsoft.com/sharepoint/v3/contenttype/forms">
+  <Display>DocumentLibraryForm</Display>
+  <Edit>DocumentLibraryForm</Edit>
+  <New>DocumentLibraryForm</New>
+</FormTemplates>
 </file>
 
 <file path=customXml/itemProps1.xml><?xml version="1.0" encoding="utf-8"?>
-<ds:datastoreItem xmlns:ds="http://schemas.openxmlformats.org/officeDocument/2006/customXml" ds:itemID="{758FDAC0-319D-4A54-8D8E-1D42CB1F8004}">
+<ds:datastoreItem xmlns:ds="http://schemas.openxmlformats.org/officeDocument/2006/customXml" ds:itemID="{F990F116-B58F-4255-B05B-DA3808E0E5C6}">
   <ds:schemaRefs>
-    <ds:schemaRef ds:uri="http://schemas.microsoft.com/sharepoint/v3/contenttype/forms"/>
+    <ds:schemaRef ds:uri="12239fb0-26c0-4a37-b790-6c81fba9d0fc"/>
+    <ds:schemaRef ds:uri="http://schemas.openxmlformats.org/package/2006/metadata/core-properties"/>
+    <ds:schemaRef ds:uri="http://www.w3.org/XML/1998/namespace"/>
+    <ds:schemaRef ds:uri="16dc66bd-df5a-4495-a5c9-5e296f49988a"/>
+    <ds:schemaRef ds:uri="http://schemas.microsoft.com/sharepoint/v3"/>
+    <ds:schemaRef ds:uri="http://purl.org/dc/terms/"/>
+    <ds:schemaRef ds:uri="http://purl.org/dc/dcmitype/"/>
+    <ds:schemaRef ds:uri="http://schemas.microsoft.com/office/2006/metadata/properties"/>
+    <ds:schemaRef ds:uri="http://schemas.microsoft.com/office/2006/documentManagement/types"/>
+    <ds:schemaRef ds:uri="http://schemas.microsoft.com/office/infopath/2007/PartnerControls"/>
+    <ds:schemaRef ds:uri="http://purl.org/dc/elements/1.1/"/>
+    <ds:schemaRef ds:uri="9d1f81f6-e953-47ea-988e-33ed651c58e6"/>
+    <ds:schemaRef ds:uri="5a4b3278-325d-441a-b38f-6f1926bc734e"/>
+    <ds:schemaRef ds:uri="230e9df3-be65-4c73-a93b-d1236ebd677e"/>
   </ds:schemaRefs>
 </ds:datastoreItem>
 </file>
@@ -45647,22 +45726,9 @@
 </file>
 
 <file path=customXml/itemProps3.xml><?xml version="1.0" encoding="utf-8"?>
-<ds:datastoreItem xmlns:ds="http://schemas.openxmlformats.org/officeDocument/2006/customXml" ds:itemID="{F990F116-B58F-4255-B05B-DA3808E0E5C6}">
+<ds:datastoreItem xmlns:ds="http://schemas.openxmlformats.org/officeDocument/2006/customXml" ds:itemID="{758FDAC0-319D-4A54-8D8E-1D42CB1F8004}">
   <ds:schemaRefs>
-    <ds:schemaRef ds:uri="12239fb0-26c0-4a37-b790-6c81fba9d0fc"/>
-    <ds:schemaRef ds:uri="http://schemas.openxmlformats.org/package/2006/metadata/core-properties"/>
-    <ds:schemaRef ds:uri="http://www.w3.org/XML/1998/namespace"/>
-    <ds:schemaRef ds:uri="16dc66bd-df5a-4495-a5c9-5e296f49988a"/>
-    <ds:schemaRef ds:uri="http://schemas.microsoft.com/sharepoint/v3"/>
-    <ds:schemaRef ds:uri="http://purl.org/dc/terms/"/>
-    <ds:schemaRef ds:uri="http://purl.org/dc/dcmitype/"/>
-    <ds:schemaRef ds:uri="http://schemas.microsoft.com/office/2006/metadata/properties"/>
-    <ds:schemaRef ds:uri="http://schemas.microsoft.com/office/2006/documentManagement/types"/>
-    <ds:schemaRef ds:uri="http://schemas.microsoft.com/office/infopath/2007/PartnerControls"/>
-    <ds:schemaRef ds:uri="http://purl.org/dc/elements/1.1/"/>
-    <ds:schemaRef ds:uri="9d1f81f6-e953-47ea-988e-33ed651c58e6"/>
-    <ds:schemaRef ds:uri="5a4b3278-325d-441a-b38f-6f1926bc734e"/>
-    <ds:schemaRef ds:uri="230e9df3-be65-4c73-a93b-d1236ebd677e"/>
+    <ds:schemaRef ds:uri="http://schemas.microsoft.com/sharepoint/v3/contenttype/forms"/>
   </ds:schemaRefs>
 </ds:datastoreItem>
 </file>
--- a/PPT/9 Azure DevOps series by Sagar.pptx
+++ b/PPT/9 Azure DevOps series by Sagar.pptx
@@ -376,7 +376,7 @@
               <a:rPr lang="en-US" smtClean="0">
                 <a:latin typeface="Segoe UI" pitchFamily="34" charset="0"/>
               </a:rPr>
-              <a:t>1/10/2021 9:05 PM</a:t>
+              <a:t>1/11/2021 10:13 AM</a:t>
             </a:fld>
             <a:endParaRPr lang="en-US">
               <a:latin typeface="Segoe UI" pitchFamily="34" charset="0"/>
@@ -465,7 +465,7 @@
               <a:rPr lang="en-US" smtClean="0">
                 <a:latin typeface="Segoe UI" pitchFamily="34" charset="0"/>
               </a:rPr>
-              <a:t>‹#›</a:t>
+              <a:t>‹Nº›</a:t>
             </a:fld>
             <a:endParaRPr lang="en-US">
               <a:latin typeface="Segoe UI" pitchFamily="34" charset="0"/>
@@ -654,7 +654,7 @@
           <a:p>
             <a:fld id="{386CE63F-9E7F-4C04-9D0D-FCA25A8E9E86}" type="datetime8">
               <a:rPr lang="en-US" smtClean="0"/>
-              <a:t>1/10/2021 9:04 PM</a:t>
+              <a:t>1/11/2021 10:12 AM</a:t>
             </a:fld>
             <a:endParaRPr lang="en-US"/>
           </a:p>
@@ -751,7 +751,7 @@
             <a:fld id="{B4008EB6-D09E-4580-8CD6-DDB14511944F}" type="slidenum">
               <a:rPr lang="en-US" smtClean="0"/>
               <a:pPr/>
-              <a:t>‹#›</a:t>
+              <a:t>‹Nº›</a:t>
             </a:fld>
             <a:endParaRPr lang="en-US"/>
           </a:p>
@@ -2122,216 +2122,6 @@
       </p:sp>
       <p:pic>
         <p:nvPicPr>
-          <p:cNvPr id="42" name="Imagen 41">
-            <a:extLst>
-              <a:ext uri="{FF2B5EF4-FFF2-40B4-BE49-F238E27FC236}">
-                <a16:creationId xmlns:a16="http://schemas.microsoft.com/office/drawing/2014/main" id="{CFE36E5C-300D-43C3-BE61-452D23910E7A}"/>
-              </a:ext>
-            </a:extLst>
-          </p:cNvPr>
-          <p:cNvPicPr>
-            <a:picLocks noChangeAspect="1"/>
-          </p:cNvPicPr>
-          <p:nvPr userDrawn="1"/>
-        </p:nvPicPr>
-        <p:blipFill>
-          <a:blip r:embed="rId8"/>
-          <a:stretch>
-            <a:fillRect/>
-          </a:stretch>
-        </p:blipFill>
-        <p:spPr>
-          <a:xfrm>
-            <a:off x="6038054" y="5126102"/>
-            <a:ext cx="2243624" cy="690346"/>
-          </a:xfrm>
-          <a:prstGeom prst="rect">
-            <a:avLst/>
-          </a:prstGeom>
-        </p:spPr>
-      </p:pic>
-      <p:pic>
-        <p:nvPicPr>
-          <p:cNvPr id="43" name="Imagen 42">
-            <a:extLst>
-              <a:ext uri="{FF2B5EF4-FFF2-40B4-BE49-F238E27FC236}">
-                <a16:creationId xmlns:a16="http://schemas.microsoft.com/office/drawing/2014/main" id="{1E5521AC-4CAB-411F-AC1B-1FC08331F083}"/>
-              </a:ext>
-            </a:extLst>
-          </p:cNvPr>
-          <p:cNvPicPr>
-            <a:picLocks noChangeAspect="1"/>
-          </p:cNvPicPr>
-          <p:nvPr userDrawn="1"/>
-        </p:nvPicPr>
-        <p:blipFill>
-          <a:blip r:embed="rId9"/>
-          <a:stretch>
-            <a:fillRect/>
-          </a:stretch>
-        </p:blipFill>
-        <p:spPr>
-          <a:xfrm>
-            <a:off x="8539558" y="5733198"/>
-            <a:ext cx="1582743" cy="586201"/>
-          </a:xfrm>
-          <a:prstGeom prst="rect">
-            <a:avLst/>
-          </a:prstGeom>
-        </p:spPr>
-      </p:pic>
-      <p:pic>
-        <p:nvPicPr>
-          <p:cNvPr id="44" name="Imagen 43">
-            <a:extLst>
-              <a:ext uri="{FF2B5EF4-FFF2-40B4-BE49-F238E27FC236}">
-                <a16:creationId xmlns:a16="http://schemas.microsoft.com/office/drawing/2014/main" id="{11316E2E-3D77-4C04-B311-6A3BC810876B}"/>
-              </a:ext>
-            </a:extLst>
-          </p:cNvPr>
-          <p:cNvPicPr>
-            <a:picLocks noChangeAspect="1"/>
-          </p:cNvPicPr>
-          <p:nvPr userDrawn="1"/>
-        </p:nvPicPr>
-        <p:blipFill>
-          <a:blip r:embed="rId10"/>
-          <a:stretch>
-            <a:fillRect/>
-          </a:stretch>
-        </p:blipFill>
-        <p:spPr>
-          <a:xfrm>
-            <a:off x="1494915" y="5537785"/>
-            <a:ext cx="2015855" cy="620263"/>
-          </a:xfrm>
-          <a:prstGeom prst="rect">
-            <a:avLst/>
-          </a:prstGeom>
-        </p:spPr>
-      </p:pic>
-      <p:pic>
-        <p:nvPicPr>
-          <p:cNvPr id="45" name="Imagen 44">
-            <a:extLst>
-              <a:ext uri="{FF2B5EF4-FFF2-40B4-BE49-F238E27FC236}">
-                <a16:creationId xmlns:a16="http://schemas.microsoft.com/office/drawing/2014/main" id="{27698EF9-7487-44AD-80EC-BF4C4D09A750}"/>
-              </a:ext>
-            </a:extLst>
-          </p:cNvPr>
-          <p:cNvPicPr>
-            <a:picLocks noChangeAspect="1"/>
-          </p:cNvPicPr>
-          <p:nvPr userDrawn="1"/>
-        </p:nvPicPr>
-        <p:blipFill>
-          <a:blip r:embed="rId11"/>
-          <a:stretch>
-            <a:fillRect/>
-          </a:stretch>
-        </p:blipFill>
-        <p:spPr>
-          <a:xfrm>
-            <a:off x="3816249" y="5203641"/>
-            <a:ext cx="2144054" cy="560669"/>
-          </a:xfrm>
-          <a:prstGeom prst="rect">
-            <a:avLst/>
-          </a:prstGeom>
-        </p:spPr>
-      </p:pic>
-      <p:pic>
-        <p:nvPicPr>
-          <p:cNvPr id="46" name="Imagen 45">
-            <a:extLst>
-              <a:ext uri="{FF2B5EF4-FFF2-40B4-BE49-F238E27FC236}">
-                <a16:creationId xmlns:a16="http://schemas.microsoft.com/office/drawing/2014/main" id="{6F0DF829-9E01-4878-8C8F-E8F7AD4159ED}"/>
-              </a:ext>
-            </a:extLst>
-          </p:cNvPr>
-          <p:cNvPicPr>
-            <a:picLocks noChangeAspect="1"/>
-          </p:cNvPicPr>
-          <p:nvPr userDrawn="1"/>
-        </p:nvPicPr>
-        <p:blipFill>
-          <a:blip r:embed="rId12"/>
-          <a:stretch>
-            <a:fillRect/>
-          </a:stretch>
-        </p:blipFill>
-        <p:spPr>
-          <a:xfrm>
-            <a:off x="3860320" y="5847917"/>
-            <a:ext cx="1905154" cy="586201"/>
-          </a:xfrm>
-          <a:prstGeom prst="rect">
-            <a:avLst/>
-          </a:prstGeom>
-        </p:spPr>
-      </p:pic>
-      <p:pic>
-        <p:nvPicPr>
-          <p:cNvPr id="52" name="Imagen 51">
-            <a:extLst>
-              <a:ext uri="{FF2B5EF4-FFF2-40B4-BE49-F238E27FC236}">
-                <a16:creationId xmlns:a16="http://schemas.microsoft.com/office/drawing/2014/main" id="{999BD06F-0AD4-4E45-B274-E87BA24F79BC}"/>
-              </a:ext>
-            </a:extLst>
-          </p:cNvPr>
-          <p:cNvPicPr>
-            <a:picLocks noChangeAspect="1"/>
-          </p:cNvPicPr>
-          <p:nvPr userDrawn="1"/>
-        </p:nvPicPr>
-        <p:blipFill>
-          <a:blip r:embed="rId13"/>
-          <a:stretch>
-            <a:fillRect/>
-          </a:stretch>
-        </p:blipFill>
-        <p:spPr>
-          <a:xfrm>
-            <a:off x="6259691" y="5936432"/>
-            <a:ext cx="1800350" cy="409170"/>
-          </a:xfrm>
-          <a:prstGeom prst="rect">
-            <a:avLst/>
-          </a:prstGeom>
-        </p:spPr>
-      </p:pic>
-      <p:pic>
-        <p:nvPicPr>
-          <p:cNvPr id="53" name="Imagen 52">
-            <a:extLst>
-              <a:ext uri="{FF2B5EF4-FFF2-40B4-BE49-F238E27FC236}">
-                <a16:creationId xmlns:a16="http://schemas.microsoft.com/office/drawing/2014/main" id="{B732E62D-65E0-4AF3-9F73-267A09BF660E}"/>
-              </a:ext>
-            </a:extLst>
-          </p:cNvPr>
-          <p:cNvPicPr>
-            <a:picLocks noChangeAspect="1"/>
-          </p:cNvPicPr>
-          <p:nvPr userDrawn="1"/>
-        </p:nvPicPr>
-        <p:blipFill>
-          <a:blip r:embed="rId14"/>
-          <a:stretch>
-            <a:fillRect/>
-          </a:stretch>
-        </p:blipFill>
-        <p:spPr>
-          <a:xfrm>
-            <a:off x="8411164" y="5047695"/>
-            <a:ext cx="1839530" cy="567666"/>
-          </a:xfrm>
-          <a:prstGeom prst="rect">
-            <a:avLst/>
-          </a:prstGeom>
-        </p:spPr>
-      </p:pic>
-      <p:pic>
-        <p:nvPicPr>
           <p:cNvPr id="55" name="Gráfico 54">
             <a:extLst>
               <a:ext uri="{FF2B5EF4-FFF2-40B4-BE49-F238E27FC236}">
@@ -2345,10 +2135,10 @@
           <p:nvPr userDrawn="1"/>
         </p:nvPicPr>
         <p:blipFill>
-          <a:blip r:embed="rId15">
+          <a:blip r:embed="rId8">
             <a:extLst>
               <a:ext uri="{96DAC541-7B7A-43D3-8B79-37D633B846F1}">
-                <asvg:svgBlip xmlns:asvg="http://schemas.microsoft.com/office/drawing/2016/SVG/main" r:embed="rId16"/>
+                <asvg:svgBlip xmlns:asvg="http://schemas.microsoft.com/office/drawing/2016/SVG/main" r:embed="rId9"/>
               </a:ext>
             </a:extLst>
           </a:blip>
@@ -2381,10 +2171,10 @@
           <p:nvPr userDrawn="1"/>
         </p:nvPicPr>
         <p:blipFill>
-          <a:blip r:embed="rId17">
+          <a:blip r:embed="rId10">
             <a:extLst>
               <a:ext uri="{96DAC541-7B7A-43D3-8B79-37D633B846F1}">
-                <asvg:svgBlip xmlns:asvg="http://schemas.microsoft.com/office/drawing/2016/SVG/main" r:embed="rId18"/>
+                <asvg:svgBlip xmlns:asvg="http://schemas.microsoft.com/office/drawing/2016/SVG/main" r:embed="rId11"/>
               </a:ext>
             </a:extLst>
           </a:blip>
@@ -2396,6 +2186,246 @@
           <a:xfrm>
             <a:off x="5501889" y="2377869"/>
             <a:ext cx="1851408" cy="1347955"/>
+          </a:xfrm>
+          <a:prstGeom prst="rect">
+            <a:avLst/>
+          </a:prstGeom>
+        </p:spPr>
+      </p:pic>
+      <p:pic>
+        <p:nvPicPr>
+          <p:cNvPr id="22" name="Imagen 21">
+            <a:extLst>
+              <a:ext uri="{FF2B5EF4-FFF2-40B4-BE49-F238E27FC236}">
+                <a16:creationId xmlns:a16="http://schemas.microsoft.com/office/drawing/2014/main" id="{9AF6EBD4-6D1C-4A91-92B1-384C85961DCC}"/>
+              </a:ext>
+            </a:extLst>
+          </p:cNvPr>
+          <p:cNvPicPr>
+            <a:picLocks noChangeAspect="1"/>
+          </p:cNvPicPr>
+          <p:nvPr userDrawn="1"/>
+        </p:nvPicPr>
+        <p:blipFill>
+          <a:blip r:embed="rId12"/>
+          <a:stretch>
+            <a:fillRect/>
+          </a:stretch>
+        </p:blipFill>
+        <p:spPr>
+          <a:xfrm>
+            <a:off x="6280496" y="5133072"/>
+            <a:ext cx="2243624" cy="690346"/>
+          </a:xfrm>
+          <a:prstGeom prst="rect">
+            <a:avLst/>
+          </a:prstGeom>
+        </p:spPr>
+      </p:pic>
+      <p:pic>
+        <p:nvPicPr>
+          <p:cNvPr id="23" name="Imagen 22">
+            <a:extLst>
+              <a:ext uri="{FF2B5EF4-FFF2-40B4-BE49-F238E27FC236}">
+                <a16:creationId xmlns:a16="http://schemas.microsoft.com/office/drawing/2014/main" id="{63B49D7F-A4B7-412F-B834-BD1FFC7A01EA}"/>
+              </a:ext>
+            </a:extLst>
+          </p:cNvPr>
+          <p:cNvPicPr>
+            <a:picLocks noChangeAspect="1"/>
+          </p:cNvPicPr>
+          <p:nvPr userDrawn="1"/>
+        </p:nvPicPr>
+        <p:blipFill>
+          <a:blip r:embed="rId13"/>
+          <a:stretch>
+            <a:fillRect/>
+          </a:stretch>
+        </p:blipFill>
+        <p:spPr>
+          <a:xfrm>
+            <a:off x="6585173" y="5797267"/>
+            <a:ext cx="1582743" cy="586201"/>
+          </a:xfrm>
+          <a:prstGeom prst="rect">
+            <a:avLst/>
+          </a:prstGeom>
+        </p:spPr>
+      </p:pic>
+      <p:pic>
+        <p:nvPicPr>
+          <p:cNvPr id="24" name="Imagen 23">
+            <a:extLst>
+              <a:ext uri="{FF2B5EF4-FFF2-40B4-BE49-F238E27FC236}">
+                <a16:creationId xmlns:a16="http://schemas.microsoft.com/office/drawing/2014/main" id="{4F1BFC11-B976-4D39-A2B3-B8406661FCAF}"/>
+              </a:ext>
+            </a:extLst>
+          </p:cNvPr>
+          <p:cNvPicPr>
+            <a:picLocks noChangeAspect="1"/>
+          </p:cNvPicPr>
+          <p:nvPr userDrawn="1"/>
+        </p:nvPicPr>
+        <p:blipFill>
+          <a:blip r:embed="rId14"/>
+          <a:stretch>
+            <a:fillRect/>
+          </a:stretch>
+        </p:blipFill>
+        <p:spPr>
+          <a:xfrm>
+            <a:off x="1742944" y="5168113"/>
+            <a:ext cx="2015855" cy="620263"/>
+          </a:xfrm>
+          <a:prstGeom prst="rect">
+            <a:avLst/>
+          </a:prstGeom>
+        </p:spPr>
+      </p:pic>
+      <p:pic>
+        <p:nvPicPr>
+          <p:cNvPr id="25" name="Imagen 24">
+            <a:extLst>
+              <a:ext uri="{FF2B5EF4-FFF2-40B4-BE49-F238E27FC236}">
+                <a16:creationId xmlns:a16="http://schemas.microsoft.com/office/drawing/2014/main" id="{26938C16-70B2-4483-B985-2544AE454FB4}"/>
+              </a:ext>
+            </a:extLst>
+          </p:cNvPr>
+          <p:cNvPicPr>
+            <a:picLocks noChangeAspect="1"/>
+          </p:cNvPicPr>
+          <p:nvPr userDrawn="1"/>
+        </p:nvPicPr>
+        <p:blipFill>
+          <a:blip r:embed="rId15"/>
+          <a:stretch>
+            <a:fillRect/>
+          </a:stretch>
+        </p:blipFill>
+        <p:spPr>
+          <a:xfrm>
+            <a:off x="4058691" y="5210611"/>
+            <a:ext cx="2144054" cy="560669"/>
+          </a:xfrm>
+          <a:prstGeom prst="rect">
+            <a:avLst/>
+          </a:prstGeom>
+        </p:spPr>
+      </p:pic>
+      <p:pic>
+        <p:nvPicPr>
+          <p:cNvPr id="26" name="Imagen 25">
+            <a:extLst>
+              <a:ext uri="{FF2B5EF4-FFF2-40B4-BE49-F238E27FC236}">
+                <a16:creationId xmlns:a16="http://schemas.microsoft.com/office/drawing/2014/main" id="{2514AAFA-6056-4B83-966A-58345EB10F91}"/>
+              </a:ext>
+            </a:extLst>
+          </p:cNvPr>
+          <p:cNvPicPr>
+            <a:picLocks noChangeAspect="1"/>
+          </p:cNvPicPr>
+          <p:nvPr userDrawn="1"/>
+        </p:nvPicPr>
+        <p:blipFill>
+          <a:blip r:embed="rId16"/>
+          <a:stretch>
+            <a:fillRect/>
+          </a:stretch>
+        </p:blipFill>
+        <p:spPr>
+          <a:xfrm>
+            <a:off x="1946157" y="5911986"/>
+            <a:ext cx="1905154" cy="586201"/>
+          </a:xfrm>
+          <a:prstGeom prst="rect">
+            <a:avLst/>
+          </a:prstGeom>
+        </p:spPr>
+      </p:pic>
+      <p:pic>
+        <p:nvPicPr>
+          <p:cNvPr id="29" name="Imagen 28">
+            <a:extLst>
+              <a:ext uri="{FF2B5EF4-FFF2-40B4-BE49-F238E27FC236}">
+                <a16:creationId xmlns:a16="http://schemas.microsoft.com/office/drawing/2014/main" id="{43660439-D387-4314-B800-56F9357567D4}"/>
+              </a:ext>
+            </a:extLst>
+          </p:cNvPr>
+          <p:cNvPicPr>
+            <a:picLocks noChangeAspect="1"/>
+          </p:cNvPicPr>
+          <p:nvPr userDrawn="1"/>
+        </p:nvPicPr>
+        <p:blipFill>
+          <a:blip r:embed="rId17"/>
+          <a:stretch>
+            <a:fillRect/>
+          </a:stretch>
+        </p:blipFill>
+        <p:spPr>
+          <a:xfrm>
+            <a:off x="4305306" y="6000501"/>
+            <a:ext cx="1800350" cy="409170"/>
+          </a:xfrm>
+          <a:prstGeom prst="rect">
+            <a:avLst/>
+          </a:prstGeom>
+        </p:spPr>
+      </p:pic>
+      <p:pic>
+        <p:nvPicPr>
+          <p:cNvPr id="30" name="Imagen 29">
+            <a:extLst>
+              <a:ext uri="{FF2B5EF4-FFF2-40B4-BE49-F238E27FC236}">
+                <a16:creationId xmlns:a16="http://schemas.microsoft.com/office/drawing/2014/main" id="{0C9D8DA4-4FEB-4246-9661-D1C8520DF5F8}"/>
+              </a:ext>
+            </a:extLst>
+          </p:cNvPr>
+          <p:cNvPicPr>
+            <a:picLocks noChangeAspect="1"/>
+          </p:cNvPicPr>
+          <p:nvPr userDrawn="1"/>
+        </p:nvPicPr>
+        <p:blipFill>
+          <a:blip r:embed="rId18"/>
+          <a:stretch>
+            <a:fillRect/>
+          </a:stretch>
+        </p:blipFill>
+        <p:spPr>
+          <a:xfrm>
+            <a:off x="8653606" y="5054665"/>
+            <a:ext cx="1839530" cy="567666"/>
+          </a:xfrm>
+          <a:prstGeom prst="rect">
+            <a:avLst/>
+          </a:prstGeom>
+        </p:spPr>
+      </p:pic>
+      <p:pic>
+        <p:nvPicPr>
+          <p:cNvPr id="32" name="Imagen 31">
+            <a:extLst>
+              <a:ext uri="{FF2B5EF4-FFF2-40B4-BE49-F238E27FC236}">
+                <a16:creationId xmlns:a16="http://schemas.microsoft.com/office/drawing/2014/main" id="{2E02EA5D-4C97-46FC-AF83-A97228F7A8FE}"/>
+              </a:ext>
+            </a:extLst>
+          </p:cNvPr>
+          <p:cNvPicPr>
+            <a:picLocks noChangeAspect="1"/>
+          </p:cNvPicPr>
+          <p:nvPr userDrawn="1"/>
+        </p:nvPicPr>
+        <p:blipFill>
+          <a:blip r:embed="rId19"/>
+          <a:stretch>
+            <a:fillRect/>
+          </a:stretch>
+        </p:blipFill>
+        <p:spPr>
+          <a:xfrm>
+            <a:off x="8647433" y="5788376"/>
+            <a:ext cx="1839529" cy="634175"/>
           </a:xfrm>
           <a:prstGeom prst="rect">
             <a:avLst/>
@@ -25359,85 +25389,6 @@
           <a:chExt cx="0" cy="0"/>
         </a:xfrm>
       </p:grpSpPr>
-      <p:sp>
-        <p:nvSpPr>
-          <p:cNvPr id="8" name="Rectángulo 7">
-            <a:extLst>
-              <a:ext uri="{FF2B5EF4-FFF2-40B4-BE49-F238E27FC236}">
-                <a16:creationId xmlns:a16="http://schemas.microsoft.com/office/drawing/2014/main" id="{8E040693-2661-4727-9EA2-5950B412CA24}"/>
-              </a:ext>
-            </a:extLst>
-          </p:cNvPr>
-          <p:cNvSpPr/>
-          <p:nvPr userDrawn="1"/>
-        </p:nvSpPr>
-        <p:spPr bwMode="auto">
-          <a:xfrm>
-            <a:off x="0" y="-10285"/>
-            <a:ext cx="12192000" cy="6858000"/>
-          </a:xfrm>
-          <a:prstGeom prst="rect">
-            <a:avLst/>
-          </a:prstGeom>
-          <a:solidFill>
-            <a:schemeClr val="bg1"/>
-          </a:solidFill>
-          <a:ln>
-            <a:noFill/>
-            <a:headEnd type="none" w="med" len="med"/>
-            <a:tailEnd type="none" w="med" len="med"/>
-          </a:ln>
-          <a:effectLst/>
-        </p:spPr>
-        <p:style>
-          <a:lnRef idx="1">
-            <a:schemeClr val="accent2"/>
-          </a:lnRef>
-          <a:fillRef idx="3">
-            <a:schemeClr val="accent2"/>
-          </a:fillRef>
-          <a:effectRef idx="2">
-            <a:schemeClr val="accent2"/>
-          </a:effectRef>
-          <a:fontRef idx="minor">
-            <a:schemeClr val="lt1"/>
-          </a:fontRef>
-        </p:style>
-        <p:txBody>
-          <a:bodyPr rot="0" spcFirstLastPara="0" vertOverflow="overflow" horzOverflow="overflow" vert="horz" wrap="square" lIns="182880" tIns="146304" rIns="182880" bIns="146304" numCol="1" spcCol="0" rtlCol="0" fromWordArt="0" anchor="t" anchorCtr="0" forceAA="0" compatLnSpc="1">
-            <a:prstTxWarp prst="textNoShape">
-              <a:avLst/>
-            </a:prstTxWarp>
-            <a:noAutofit/>
-          </a:bodyPr>
-          <a:lstStyle/>
-          <a:p>
-            <a:pPr algn="l" defTabSz="932472" fontAlgn="base">
-              <a:spcBef>
-                <a:spcPct val="0"/>
-              </a:spcBef>
-              <a:spcAft>
-                <a:spcPct val="0"/>
-              </a:spcAft>
-            </a:pPr>
-            <a:endParaRPr lang="es-ES" sz="2000" dirty="0" err="1">
-              <a:gradFill>
-                <a:gsLst>
-                  <a:gs pos="0">
-                    <a:srgbClr val="FFFFFF"/>
-                  </a:gs>
-                  <a:gs pos="100000">
-                    <a:srgbClr val="FFFFFF"/>
-                  </a:gs>
-                </a:gsLst>
-                <a:lin ang="5400000" scaled="0"/>
-              </a:gradFill>
-              <a:ea typeface="Segoe UI" pitchFamily="34" charset="0"/>
-              <a:cs typeface="Segoe UI" pitchFamily="34" charset="0"/>
-            </a:endParaRPr>
-          </a:p>
-        </p:txBody>
-      </p:sp>
       <p:graphicFrame>
         <p:nvGraphicFramePr>
           <p:cNvPr id="7" name="Objeto 6">
@@ -25677,10 +25628,10 @@
       </p:graphicFrame>
       <p:pic>
         <p:nvPicPr>
-          <p:cNvPr id="27" name="Imagen 26">
+          <p:cNvPr id="14" name="Imagen 13">
             <a:extLst>
               <a:ext uri="{FF2B5EF4-FFF2-40B4-BE49-F238E27FC236}">
-                <a16:creationId xmlns:a16="http://schemas.microsoft.com/office/drawing/2014/main" id="{00C8D22B-6FB1-44B3-9B2A-665925B181E4}"/>
+                <a16:creationId xmlns:a16="http://schemas.microsoft.com/office/drawing/2014/main" id="{1AD9977A-2369-4A37-85E5-7763DC6B5437}"/>
               </a:ext>
             </a:extLst>
           </p:cNvPr>
@@ -25697,7 +25648,7 @@
         </p:blipFill>
         <p:spPr>
           <a:xfrm>
-            <a:off x="501323" y="5106327"/>
+            <a:off x="535251" y="4091351"/>
             <a:ext cx="3299139" cy="1015120"/>
           </a:xfrm>
           <a:prstGeom prst="rect">
@@ -25707,10 +25658,10 @@
       </p:pic>
       <p:pic>
         <p:nvPicPr>
-          <p:cNvPr id="35" name="Imagen 34">
+          <p:cNvPr id="15" name="Imagen 14">
             <a:extLst>
               <a:ext uri="{FF2B5EF4-FFF2-40B4-BE49-F238E27FC236}">
-                <a16:creationId xmlns:a16="http://schemas.microsoft.com/office/drawing/2014/main" id="{B20103D2-6A8D-4961-A9FC-C645273D36EA}"/>
+                <a16:creationId xmlns:a16="http://schemas.microsoft.com/office/drawing/2014/main" id="{CDD2DFBB-D48D-40DD-88A6-6257D1B25D09}"/>
               </a:ext>
             </a:extLst>
           </p:cNvPr>
@@ -25727,8 +25678,8 @@
         </p:blipFill>
         <p:spPr>
           <a:xfrm>
-            <a:off x="4795788" y="2889461"/>
-            <a:ext cx="2964216" cy="912066"/>
+            <a:off x="836952" y="5359947"/>
+            <a:ext cx="3152727" cy="824437"/>
           </a:xfrm>
           <a:prstGeom prst="rect">
             <a:avLst/>
@@ -25737,10 +25688,10 @@
       </p:pic>
       <p:pic>
         <p:nvPicPr>
-          <p:cNvPr id="36" name="Imagen 35">
+          <p:cNvPr id="16" name="Imagen 15">
             <a:extLst>
               <a:ext uri="{FF2B5EF4-FFF2-40B4-BE49-F238E27FC236}">
-                <a16:creationId xmlns:a16="http://schemas.microsoft.com/office/drawing/2014/main" id="{06B717A3-D1D7-4E20-8A78-D374F2E8165E}"/>
+                <a16:creationId xmlns:a16="http://schemas.microsoft.com/office/drawing/2014/main" id="{19620123-1894-43E8-8631-83EE6C725254}"/>
               </a:ext>
             </a:extLst>
           </p:cNvPr>
@@ -25757,8 +25708,8 @@
         </p:blipFill>
         <p:spPr>
           <a:xfrm>
-            <a:off x="4770299" y="4103833"/>
-            <a:ext cx="3152727" cy="824437"/>
+            <a:off x="8701034" y="3081791"/>
+            <a:ext cx="2801436" cy="861980"/>
           </a:xfrm>
           <a:prstGeom prst="rect">
             <a:avLst/>
@@ -25767,10 +25718,10 @@
       </p:pic>
       <p:pic>
         <p:nvPicPr>
-          <p:cNvPr id="37" name="Imagen 36">
+          <p:cNvPr id="17" name="Imagen 16">
             <a:extLst>
               <a:ext uri="{FF2B5EF4-FFF2-40B4-BE49-F238E27FC236}">
-                <a16:creationId xmlns:a16="http://schemas.microsoft.com/office/drawing/2014/main" id="{4F6582C8-181F-45AB-8FDC-D2A5D1DE0868}"/>
+                <a16:creationId xmlns:a16="http://schemas.microsoft.com/office/drawing/2014/main" id="{2AEA9F62-67D8-41B8-8962-1E1F12F6CB65}"/>
               </a:ext>
             </a:extLst>
           </p:cNvPr>
@@ -25787,8 +25738,8 @@
         </p:blipFill>
         <p:spPr>
           <a:xfrm>
-            <a:off x="8656795" y="4066290"/>
-            <a:ext cx="2801436" cy="861980"/>
+            <a:off x="9075344" y="3970682"/>
+            <a:ext cx="2327347" cy="861980"/>
           </a:xfrm>
           <a:prstGeom prst="rect">
             <a:avLst/>
@@ -25797,10 +25748,10 @@
       </p:pic>
       <p:pic>
         <p:nvPicPr>
-          <p:cNvPr id="38" name="Imagen 37">
+          <p:cNvPr id="18" name="Imagen 17">
             <a:extLst>
               <a:ext uri="{FF2B5EF4-FFF2-40B4-BE49-F238E27FC236}">
-                <a16:creationId xmlns:a16="http://schemas.microsoft.com/office/drawing/2014/main" id="{6286BA83-1331-4607-A514-6A7126E17B69}"/>
+                <a16:creationId xmlns:a16="http://schemas.microsoft.com/office/drawing/2014/main" id="{B7511559-9DA4-412D-B88F-0C06977B4D4B}"/>
               </a:ext>
             </a:extLst>
           </p:cNvPr>
@@ -25817,8 +25768,8 @@
         </p:blipFill>
         <p:spPr>
           <a:xfrm>
-            <a:off x="8892861" y="5034166"/>
-            <a:ext cx="2327347" cy="861980"/>
+            <a:off x="5003367" y="4755776"/>
+            <a:ext cx="2647327" cy="601665"/>
           </a:xfrm>
           <a:prstGeom prst="rect">
             <a:avLst/>
@@ -25827,10 +25778,10 @@
       </p:pic>
       <p:pic>
         <p:nvPicPr>
-          <p:cNvPr id="39" name="Imagen 38">
+          <p:cNvPr id="19" name="Imagen 18">
             <a:extLst>
               <a:ext uri="{FF2B5EF4-FFF2-40B4-BE49-F238E27FC236}">
-                <a16:creationId xmlns:a16="http://schemas.microsoft.com/office/drawing/2014/main" id="{C38881CE-ACE0-4F86-BDCB-651601AB78BD}"/>
+                <a16:creationId xmlns:a16="http://schemas.microsoft.com/office/drawing/2014/main" id="{D6BB116E-F933-436D-9D99-A5886DAE48B8}"/>
               </a:ext>
             </a:extLst>
           </p:cNvPr>
@@ -25847,8 +25798,8 @@
         </p:blipFill>
         <p:spPr>
           <a:xfrm>
-            <a:off x="5022998" y="5313055"/>
-            <a:ext cx="2647327" cy="601665"/>
+            <a:off x="1025219" y="3037343"/>
+            <a:ext cx="2594132" cy="800532"/>
           </a:xfrm>
           <a:prstGeom prst="rect">
             <a:avLst/>
@@ -25857,10 +25808,10 @@
       </p:pic>
       <p:pic>
         <p:nvPicPr>
-          <p:cNvPr id="40" name="Imagen 39">
+          <p:cNvPr id="20" name="Imagen 19">
             <a:extLst>
               <a:ext uri="{FF2B5EF4-FFF2-40B4-BE49-F238E27FC236}">
-                <a16:creationId xmlns:a16="http://schemas.microsoft.com/office/drawing/2014/main" id="{4F953C2C-6DFB-43C8-882C-B32DB0BB29D6}"/>
+                <a16:creationId xmlns:a16="http://schemas.microsoft.com/office/drawing/2014/main" id="{4A0299D6-3746-413C-837F-CFDA876FAD5D}"/>
               </a:ext>
             </a:extLst>
           </p:cNvPr>
@@ -25877,8 +25828,38 @@
         </p:blipFill>
         <p:spPr>
           <a:xfrm>
-            <a:off x="941074" y="4020721"/>
-            <a:ext cx="2594132" cy="800532"/>
+            <a:off x="9010948" y="5213153"/>
+            <a:ext cx="2391743" cy="824551"/>
+          </a:xfrm>
+          <a:prstGeom prst="rect">
+            <a:avLst/>
+          </a:prstGeom>
+        </p:spPr>
+      </p:pic>
+      <p:pic>
+        <p:nvPicPr>
+          <p:cNvPr id="21" name="Imagen 20">
+            <a:extLst>
+              <a:ext uri="{FF2B5EF4-FFF2-40B4-BE49-F238E27FC236}">
+                <a16:creationId xmlns:a16="http://schemas.microsoft.com/office/drawing/2014/main" id="{245C6664-68C8-490F-A27C-EDBB0C68490D}"/>
+              </a:ext>
+            </a:extLst>
+          </p:cNvPr>
+          <p:cNvPicPr>
+            <a:picLocks noChangeAspect="1"/>
+          </p:cNvPicPr>
+          <p:nvPr userDrawn="1"/>
+        </p:nvPicPr>
+        <p:blipFill>
+          <a:blip r:embed="rId16"/>
+          <a:stretch>
+            <a:fillRect/>
+          </a:stretch>
+        </p:blipFill>
+        <p:spPr>
+          <a:xfrm>
+            <a:off x="4831769" y="3336406"/>
+            <a:ext cx="2964216" cy="912066"/>
           </a:xfrm>
           <a:prstGeom prst="rect">
             <a:avLst/>
